--- a/Week 2/Challenge/MCR2_MiniChallenge_2_V2.pptx
+++ b/Week 2/Challenge/MCR2_MiniChallenge_2_V2.pptx
@@ -1096,7 +1096,7 @@
           <a:p>
             <a:fld id="{59EA9D0C-4DBE-43CA-82F2-3B35ED902843}" type="datetimeFigureOut">
               <a:rPr lang="en-GB" smtClean="0"/>
-              <a:t>19/02/2023</a:t>
+              <a:t>06/03/2023</a:t>
             </a:fld>
             <a:endParaRPr lang="en-GB"/>
           </a:p>
@@ -1678,7 +1678,7 @@
           <a:p>
             <a:fld id="{28E8D346-A915-4882-A510-80C55F2B0290}" type="datetimeFigureOut">
               <a:rPr lang="en-GB" smtClean="0"/>
-              <a:t>19/02/2023</a:t>
+              <a:t>06/03/2023</a:t>
             </a:fld>
             <a:endParaRPr lang="en-GB"/>
           </a:p>
@@ -4691,7 +4691,7 @@
           <a:p>
             <a:fld id="{28E8D346-A915-4882-A510-80C55F2B0290}" type="datetimeFigureOut">
               <a:rPr lang="en-GB" smtClean="0"/>
-              <a:t>19/02/2023</a:t>
+              <a:t>06/03/2023</a:t>
             </a:fld>
             <a:endParaRPr lang="en-GB"/>
           </a:p>
@@ -5172,7 +5172,7 @@
           <a:p>
             <a:fld id="{28E8D346-A915-4882-A510-80C55F2B0290}" type="datetimeFigureOut">
               <a:rPr lang="en-GB" smtClean="0"/>
-              <a:t>19/02/2023</a:t>
+              <a:t>06/03/2023</a:t>
             </a:fld>
             <a:endParaRPr lang="en-GB"/>
           </a:p>
@@ -5495,7 +5495,7 @@
           <a:p>
             <a:fld id="{28E8D346-A915-4882-A510-80C55F2B0290}" type="datetimeFigureOut">
               <a:rPr lang="en-GB" smtClean="0"/>
-              <a:t>19/02/2023</a:t>
+              <a:t>06/03/2023</a:t>
             </a:fld>
             <a:endParaRPr lang="en-GB"/>
           </a:p>
@@ -5988,7 +5988,7 @@
           <a:p>
             <a:fld id="{28E8D346-A915-4882-A510-80C55F2B0290}" type="datetimeFigureOut">
               <a:rPr lang="en-GB" smtClean="0"/>
-              <a:t>19/02/2023</a:t>
+              <a:t>06/03/2023</a:t>
             </a:fld>
             <a:endParaRPr lang="en-GB"/>
           </a:p>
@@ -6507,7 +6507,7 @@
           <a:p>
             <a:fld id="{28E8D346-A915-4882-A510-80C55F2B0290}" type="datetimeFigureOut">
               <a:rPr lang="en-GB" smtClean="0"/>
-              <a:t>19/02/2023</a:t>
+              <a:t>06/03/2023</a:t>
             </a:fld>
             <a:endParaRPr lang="en-GB"/>
           </a:p>
@@ -7002,7 +7002,7 @@
           <a:p>
             <a:fld id="{28E8D346-A915-4882-A510-80C55F2B0290}" type="datetimeFigureOut">
               <a:rPr lang="en-GB" smtClean="0"/>
-              <a:t>19/02/2023</a:t>
+              <a:t>06/03/2023</a:t>
             </a:fld>
             <a:endParaRPr lang="en-GB"/>
           </a:p>
@@ -7609,7 +7609,7 @@
           <a:p>
             <a:fld id="{28E8D346-A915-4882-A510-80C55F2B0290}" type="datetimeFigureOut">
               <a:rPr lang="en-GB" smtClean="0"/>
-              <a:t>19/02/2023</a:t>
+              <a:t>06/03/2023</a:t>
             </a:fld>
             <a:endParaRPr lang="en-GB"/>
           </a:p>
@@ -8104,7 +8104,7 @@
           <a:p>
             <a:fld id="{28E8D346-A915-4882-A510-80C55F2B0290}" type="datetimeFigureOut">
               <a:rPr lang="en-GB" smtClean="0"/>
-              <a:t>19/02/2023</a:t>
+              <a:t>06/03/2023</a:t>
             </a:fld>
             <a:endParaRPr lang="en-GB"/>
           </a:p>
@@ -8867,7 +8867,7 @@
           <a:p>
             <a:fld id="{28E8D346-A915-4882-A510-80C55F2B0290}" type="datetimeFigureOut">
               <a:rPr lang="en-GB" smtClean="0"/>
-              <a:t>19/02/2023</a:t>
+              <a:t>06/03/2023</a:t>
             </a:fld>
             <a:endParaRPr lang="en-GB"/>
           </a:p>
@@ -9518,7 +9518,7 @@
           <a:p>
             <a:fld id="{28E8D346-A915-4882-A510-80C55F2B0290}" type="datetimeFigureOut">
               <a:rPr lang="en-GB" smtClean="0"/>
-              <a:t>19/02/2023</a:t>
+              <a:t>06/03/2023</a:t>
             </a:fld>
             <a:endParaRPr lang="en-GB"/>
           </a:p>
@@ -9897,7 +9897,7 @@
           <a:p>
             <a:fld id="{28E8D346-A915-4882-A510-80C55F2B0290}" type="datetimeFigureOut">
               <a:rPr lang="en-GB" smtClean="0"/>
-              <a:t>19/02/2023</a:t>
+              <a:t>06/03/2023</a:t>
             </a:fld>
             <a:endParaRPr lang="en-GB"/>
           </a:p>
@@ -10164,7 +10164,7 @@
           <a:p>
             <a:fld id="{28E8D346-A915-4882-A510-80C55F2B0290}" type="datetimeFigureOut">
               <a:rPr lang="en-GB" smtClean="0"/>
-              <a:t>19/02/2023</a:t>
+              <a:t>06/03/2023</a:t>
             </a:fld>
             <a:endParaRPr lang="en-GB"/>
           </a:p>
@@ -10737,7 +10737,7 @@
           <a:p>
             <a:fld id="{28E8D346-A915-4882-A510-80C55F2B0290}" type="datetimeFigureOut">
               <a:rPr lang="en-GB" smtClean="0"/>
-              <a:t>19/02/2023</a:t>
+              <a:t>06/03/2023</a:t>
             </a:fld>
             <a:endParaRPr lang="en-GB"/>
           </a:p>
@@ -10981,7 +10981,7 @@
           <a:p>
             <a:fld id="{28E8D346-A915-4882-A510-80C55F2B0290}" type="datetimeFigureOut">
               <a:rPr lang="en-GB" smtClean="0"/>
-              <a:t>19/02/2023</a:t>
+              <a:t>06/03/2023</a:t>
             </a:fld>
             <a:endParaRPr lang="en-GB"/>
           </a:p>
@@ -11167,7 +11167,7 @@
           <a:p>
             <a:fld id="{28E8D346-A915-4882-A510-80C55F2B0290}" type="datetimeFigureOut">
               <a:rPr lang="en-GB" smtClean="0"/>
-              <a:t>19/02/2023</a:t>
+              <a:t>06/03/2023</a:t>
             </a:fld>
             <a:endParaRPr lang="en-GB"/>
           </a:p>
@@ -11465,7 +11465,7 @@
           <a:p>
             <a:fld id="{28E8D346-A915-4882-A510-80C55F2B0290}" type="datetimeFigureOut">
               <a:rPr lang="en-GB" smtClean="0"/>
-              <a:t>19/02/2023</a:t>
+              <a:t>06/03/2023</a:t>
             </a:fld>
             <a:endParaRPr lang="en-GB"/>
           </a:p>
@@ -11900,7 +11900,7 @@
           <a:p>
             <a:fld id="{28E8D346-A915-4882-A510-80C55F2B0290}" type="datetimeFigureOut">
               <a:rPr lang="en-GB" smtClean="0"/>
-              <a:t>19/02/2023</a:t>
+              <a:t>06/03/2023</a:t>
             </a:fld>
             <a:endParaRPr lang="en-GB"/>
           </a:p>
@@ -12373,7 +12373,7 @@
           <a:p>
             <a:fld id="{28E8D346-A915-4882-A510-80C55F2B0290}" type="datetimeFigureOut">
               <a:rPr lang="en-GB" smtClean="0"/>
-              <a:t>19/02/2023</a:t>
+              <a:t>06/03/2023</a:t>
             </a:fld>
             <a:endParaRPr lang="en-GB"/>
           </a:p>
@@ -12826,7 +12826,7 @@
           <a:p>
             <a:fld id="{28E8D346-A915-4882-A510-80C55F2B0290}" type="datetimeFigureOut">
               <a:rPr lang="en-GB" smtClean="0"/>
-              <a:t>19/02/2023</a:t>
+              <a:t>06/03/2023</a:t>
             </a:fld>
             <a:endParaRPr lang="en-GB"/>
           </a:p>
@@ -13050,7 +13050,7 @@
           <a:p>
             <a:fld id="{28E8D346-A915-4882-A510-80C55F2B0290}" type="datetimeFigureOut">
               <a:rPr lang="en-GB" smtClean="0"/>
-              <a:t>19/02/2023</a:t>
+              <a:t>06/03/2023</a:t>
             </a:fld>
             <a:endParaRPr lang="en-GB"/>
           </a:p>
@@ -13276,7 +13276,7 @@
           <a:p>
             <a:fld id="{28E8D346-A915-4882-A510-80C55F2B0290}" type="datetimeFigureOut">
               <a:rPr lang="en-GB" smtClean="0"/>
-              <a:t>19/02/2023</a:t>
+              <a:t>06/03/2023</a:t>
             </a:fld>
             <a:endParaRPr lang="en-GB"/>
           </a:p>
@@ -13502,7 +13502,7 @@
           <a:p>
             <a:fld id="{28E8D346-A915-4882-A510-80C55F2B0290}" type="datetimeFigureOut">
               <a:rPr lang="en-GB" smtClean="0"/>
-              <a:t>19/02/2023</a:t>
+              <a:t>06/03/2023</a:t>
             </a:fld>
             <a:endParaRPr lang="en-GB"/>
           </a:p>
@@ -13650,7 +13650,7 @@
           <a:p>
             <a:fld id="{28E8D346-A915-4882-A510-80C55F2B0290}" type="datetimeFigureOut">
               <a:rPr lang="en-GB" smtClean="0"/>
-              <a:t>19/02/2023</a:t>
+              <a:t>06/03/2023</a:t>
             </a:fld>
             <a:endParaRPr lang="en-GB"/>
           </a:p>
@@ -14044,7 +14044,7 @@
           <a:p>
             <a:fld id="{28E8D346-A915-4882-A510-80C55F2B0290}" type="datetimeFigureOut">
               <a:rPr lang="en-GB" smtClean="0"/>
-              <a:t>19/02/2023</a:t>
+              <a:t>06/03/2023</a:t>
             </a:fld>
             <a:endParaRPr lang="en-GB"/>
           </a:p>
@@ -14601,7 +14601,7 @@
           <a:p>
             <a:fld id="{28E8D346-A915-4882-A510-80C55F2B0290}" type="datetimeFigureOut">
               <a:rPr lang="en-GB" smtClean="0"/>
-              <a:t>19/02/2023</a:t>
+              <a:t>06/03/2023</a:t>
             </a:fld>
             <a:endParaRPr lang="en-GB"/>
           </a:p>
@@ -15107,7 +15107,7 @@
           <a:p>
             <a:fld id="{28E8D346-A915-4882-A510-80C55F2B0290}" type="datetimeFigureOut">
               <a:rPr lang="en-GB" smtClean="0"/>
-              <a:t>19/02/2023</a:t>
+              <a:t>06/03/2023</a:t>
             </a:fld>
             <a:endParaRPr lang="en-GB"/>
           </a:p>
@@ -15505,7 +15505,7 @@
           <a:p>
             <a:fld id="{28E8D346-A915-4882-A510-80C55F2B0290}" type="datetimeFigureOut">
               <a:rPr lang="en-GB" smtClean="0"/>
-              <a:t>19/02/2023</a:t>
+              <a:t>06/03/2023</a:t>
             </a:fld>
             <a:endParaRPr lang="en-GB"/>
           </a:p>
@@ -16373,7 +16373,7 @@
           <a:p>
             <a:fld id="{9D27316D-C409-4712-90E5-1C58F0743890}" type="datetimeFigureOut">
               <a:rPr lang="en-GB" smtClean="0"/>
-              <a:t>19/02/2023</a:t>
+              <a:t>06/03/2023</a:t>
             </a:fld>
             <a:endParaRPr lang="en-GB"/>
           </a:p>
@@ -16869,8 +16869,13 @@
           <a:p>
             <a:r>
               <a:rPr lang="en-GB" dirty="0"/>
-              <a:t>Mini challenge 3</a:t>
-            </a:r>
+              <a:t>Mini </a:t>
+            </a:r>
+            <a:r>
+              <a:rPr lang="en-GB"/>
+              <a:t>challenge 2</a:t>
+            </a:r>
+            <a:endParaRPr lang="en-GB" dirty="0"/>
           </a:p>
         </p:txBody>
       </p:sp>
